--- a/JavaScript/Week14/Week14.pptx
+++ b/JavaScript/Week14/Week14.pptx
@@ -4025,13 +4025,8 @@
           <a:p>
             <a:r>
               <a:rPr lang="en-US" dirty="0"/>
-              <a:t>A custom hook does not require a specific signature.[behavior of the function: what a function will receive{as parameters} and </a:t>
-            </a:r>
-            <a:r>
-              <a:rPr lang="en-US"/>
-              <a:t>their sequence…]</a:t>
-            </a:r>
-            <a:endParaRPr lang="en-US" dirty="0"/>
+              <a:t>A custom hook does not require a specific signature.[behavior of the function: what a function will receive{as parameters} and their sequence…]</a:t>
+            </a:r>
           </a:p>
           <a:p>
             <a:r>
@@ -4178,31 +4173,6 @@
       </p:grpSpPr>
       <p:sp>
         <p:nvSpPr>
-          <p:cNvPr id="2" name="Title 1">
-            <a:extLst>
-              <a:ext uri="{FF2B5EF4-FFF2-40B4-BE49-F238E27FC236}">
-                <a16:creationId xmlns:a16="http://schemas.microsoft.com/office/drawing/2014/main" id="{4FDEC4C8-F385-571A-BFAD-90EEEF53C682}"/>
-              </a:ext>
-            </a:extLst>
-          </p:cNvPr>
-          <p:cNvSpPr>
-            <a:spLocks noGrp="1"/>
-          </p:cNvSpPr>
-          <p:nvPr>
-            <p:ph type="title"/>
-          </p:nvPr>
-        </p:nvSpPr>
-        <p:spPr/>
-        <p:txBody>
-          <a:bodyPr/>
-          <a:lstStyle/>
-          <a:p>
-            <a:endParaRPr lang="en-CA" dirty="0"/>
-          </a:p>
-        </p:txBody>
-      </p:sp>
-      <p:sp>
-        <p:nvSpPr>
           <p:cNvPr id="3" name="Content Placeholder 2">
             <a:extLst>
               <a:ext uri="{FF2B5EF4-FFF2-40B4-BE49-F238E27FC236}">
@@ -4277,31 +4247,6 @@
           <a:chExt cx="0" cy="0"/>
         </a:xfrm>
       </p:grpSpPr>
-      <p:sp>
-        <p:nvSpPr>
-          <p:cNvPr id="2" name="Title 1">
-            <a:extLst>
-              <a:ext uri="{FF2B5EF4-FFF2-40B4-BE49-F238E27FC236}">
-                <a16:creationId xmlns:a16="http://schemas.microsoft.com/office/drawing/2014/main" id="{AE880786-A4D3-4DF8-5F0F-2E340C26A382}"/>
-              </a:ext>
-            </a:extLst>
-          </p:cNvPr>
-          <p:cNvSpPr>
-            <a:spLocks noGrp="1"/>
-          </p:cNvSpPr>
-          <p:nvPr>
-            <p:ph type="title"/>
-          </p:nvPr>
-        </p:nvSpPr>
-        <p:spPr/>
-        <p:txBody>
-          <a:bodyPr/>
-          <a:lstStyle/>
-          <a:p>
-            <a:endParaRPr lang="en-CA"/>
-          </a:p>
-        </p:txBody>
-      </p:sp>
       <p:sp>
         <p:nvSpPr>
           <p:cNvPr id="3" name="Content Placeholder 2">
